--- a/160930-artificial-intelligence-template-16x9.pptx
+++ b/160930-artificial-intelligence-template-16x9.pptx
@@ -5,10 +5,10 @@
     <p:sldMasterId id="2147483648" r:id="rId2"/>
   </p:sldMasterIdLst>
   <p:notesMasterIdLst>
-    <p:notesMasterId r:id="rId11"/>
+    <p:notesMasterId r:id="rId15"/>
   </p:notesMasterIdLst>
   <p:handoutMasterIdLst>
-    <p:handoutMasterId r:id="rId12"/>
+    <p:handoutMasterId r:id="rId16"/>
   </p:handoutMasterIdLst>
   <p:sldIdLst>
     <p:sldId id="256" r:id="rId3"/>
@@ -18,7 +18,11 @@
     <p:sldId id="262" r:id="rId7"/>
     <p:sldId id="263" r:id="rId8"/>
     <p:sldId id="264" r:id="rId9"/>
-    <p:sldId id="258" r:id="rId10"/>
+    <p:sldId id="266" r:id="rId10"/>
+    <p:sldId id="267" r:id="rId11"/>
+    <p:sldId id="268" r:id="rId12"/>
+    <p:sldId id="258" r:id="rId13"/>
+    <p:sldId id="265" r:id="rId14"/>
   </p:sldIdLst>
   <p:sldSz cx="9144000" cy="5143500" type="screen16x9"/>
   <p:notesSz cx="6858000" cy="9144000"/>
@@ -1451,7 +1455,167 @@
           <a:bodyPr/>
           <a:lstStyle/>
           <a:p>
-            <a:endParaRPr lang="en-IE"/>
+            <a:pPr algn="l"/>
+            <a:r>
+              <a:rPr lang="en-US" b="0" i="0" dirty="0">
+                <a:solidFill>
+                  <a:srgbClr val="51565E"/>
+                </a:solidFill>
+                <a:effectLst/>
+                <a:latin typeface="Roboto" panose="020F0502020204030204" pitchFamily="2" charset="0"/>
+              </a:rPr>
+              <a:t>RNN works on the principle of saving the output of a particular layer and feeding this back to the input in order to predict the output of the layer.</a:t>
+            </a:r>
+          </a:p>
+          <a:p>
+            <a:pPr algn="l"/>
+            <a:br>
+              <a:rPr lang="en-US" dirty="0"/>
+            </a:br>
+            <a:r>
+              <a:rPr lang="en-US" b="0" i="0" dirty="0">
+                <a:solidFill>
+                  <a:srgbClr val="51565E"/>
+                </a:solidFill>
+                <a:effectLst/>
+                <a:latin typeface="Roboto" panose="02000000000000000000" pitchFamily="2" charset="0"/>
+              </a:rPr>
+              <a:t>RNN were created because there were a few issues in the feed-forward neural network:</a:t>
+            </a:r>
+          </a:p>
+          <a:p>
+            <a:pPr algn="l">
+              <a:buFont typeface="Arial" panose="020B0604020202020204" pitchFamily="34" charset="0"/>
+              <a:buChar char="•"/>
+            </a:pPr>
+            <a:r>
+              <a:rPr lang="en-US" b="0" i="0" dirty="0">
+                <a:solidFill>
+                  <a:srgbClr val="51565E"/>
+                </a:solidFill>
+                <a:effectLst/>
+                <a:latin typeface="Roboto" panose="02000000000000000000" pitchFamily="2" charset="0"/>
+              </a:rPr>
+              <a:t>Cannot handle sequential data</a:t>
+            </a:r>
+          </a:p>
+          <a:p>
+            <a:pPr algn="l">
+              <a:buFont typeface="Arial" panose="020B0604020202020204" pitchFamily="34" charset="0"/>
+              <a:buChar char="•"/>
+            </a:pPr>
+            <a:r>
+              <a:rPr lang="en-US" b="0" i="0" dirty="0">
+                <a:solidFill>
+                  <a:srgbClr val="51565E"/>
+                </a:solidFill>
+                <a:effectLst/>
+                <a:latin typeface="Roboto" panose="02000000000000000000" pitchFamily="2" charset="0"/>
+              </a:rPr>
+              <a:t>Considers only the current input</a:t>
+            </a:r>
+          </a:p>
+          <a:p>
+            <a:pPr algn="l">
+              <a:buFont typeface="Arial" panose="020B0604020202020204" pitchFamily="34" charset="0"/>
+              <a:buChar char="•"/>
+            </a:pPr>
+            <a:r>
+              <a:rPr lang="en-US" b="0" i="0" dirty="0">
+                <a:solidFill>
+                  <a:srgbClr val="51565E"/>
+                </a:solidFill>
+                <a:effectLst/>
+                <a:latin typeface="Roboto" panose="02000000000000000000" pitchFamily="2" charset="0"/>
+              </a:rPr>
+              <a:t>Cannot memorize previous inputs</a:t>
+            </a:r>
+          </a:p>
+          <a:p>
+            <a:endParaRPr lang="en-IE" dirty="0"/>
+          </a:p>
+          <a:p>
+            <a:pPr algn="l"/>
+            <a:r>
+              <a:rPr lang="en-IN" b="0" i="0" dirty="0">
+                <a:solidFill>
+                  <a:srgbClr val="272C37"/>
+                </a:solidFill>
+                <a:effectLst/>
+                <a:latin typeface="Roboto" panose="02000000000000000000" pitchFamily="2" charset="0"/>
+              </a:rPr>
+              <a:t>Image Captioning, </a:t>
+            </a:r>
+            <a:r>
+              <a:rPr lang="en-IN" b="0" i="0" u="none" strike="noStrike" dirty="0">
+                <a:solidFill>
+                  <a:srgbClr val="0A5DC9"/>
+                </a:solidFill>
+                <a:effectLst/>
+                <a:latin typeface="Roboto" panose="02000000000000000000" pitchFamily="2" charset="0"/>
+                <a:hlinkClick r:id="rId3" tooltip="Time Series Prediction"/>
+              </a:rPr>
+              <a:t>Time Series Prediction</a:t>
+            </a:r>
+            <a:r>
+              <a:rPr lang="en-IN" b="0" i="0" u="none" strike="noStrike" dirty="0">
+                <a:solidFill>
+                  <a:srgbClr val="272C37"/>
+                </a:solidFill>
+                <a:effectLst/>
+                <a:latin typeface="Roboto" panose="02000000000000000000" pitchFamily="2" charset="0"/>
+              </a:rPr>
+              <a:t>, </a:t>
+            </a:r>
+            <a:r>
+              <a:rPr lang="en-IN" b="0" i="0" u="none" strike="noStrike" dirty="0">
+                <a:solidFill>
+                  <a:srgbClr val="0A5DC9"/>
+                </a:solidFill>
+                <a:effectLst/>
+                <a:latin typeface="Roboto" panose="02000000000000000000" pitchFamily="2" charset="0"/>
+                <a:hlinkClick r:id="rId4" tooltip="Natural Language Processing"/>
+              </a:rPr>
+              <a:t>Natural Language Processing</a:t>
+            </a:r>
+            <a:r>
+              <a:rPr lang="en-IN" b="0" i="0" u="none" strike="noStrike" dirty="0">
+                <a:solidFill>
+                  <a:srgbClr val="272C37"/>
+                </a:solidFill>
+                <a:effectLst/>
+                <a:latin typeface="Roboto" panose="02000000000000000000" pitchFamily="2" charset="0"/>
+              </a:rPr>
+              <a:t>, </a:t>
+            </a:r>
+            <a:r>
+              <a:rPr lang="en-IN" b="0" i="0" dirty="0">
+                <a:solidFill>
+                  <a:srgbClr val="272C37"/>
+                </a:solidFill>
+                <a:effectLst/>
+                <a:latin typeface="Roboto" panose="02000000000000000000" pitchFamily="2" charset="0"/>
+              </a:rPr>
+              <a:t>Machine Translation</a:t>
+            </a:r>
+          </a:p>
+          <a:p>
+            <a:br>
+              <a:rPr lang="en-IN" dirty="0"/>
+            </a:br>
+            <a:endParaRPr lang="en-IN" b="0" i="0" dirty="0">
+              <a:solidFill>
+                <a:srgbClr val="272C37"/>
+              </a:solidFill>
+              <a:effectLst/>
+              <a:latin typeface="Roboto" panose="02000000000000000000" pitchFamily="2" charset="0"/>
+            </a:endParaRPr>
+          </a:p>
+          <a:p>
+            <a:br>
+              <a:rPr lang="en-IN" dirty="0"/>
+            </a:br>
+            <a:endParaRPr lang="en-IE" dirty="0"/>
           </a:p>
         </p:txBody>
       </p:sp>
@@ -1573,7 +1737,16 @@
           <a:bodyPr/>
           <a:lstStyle/>
           <a:p>
-            <a:endParaRPr lang="en-IE"/>
+            <a:r>
+              <a:rPr lang="en-IN" dirty="0"/>
+              <a:t>RNN’s remembers the past. My decision to pick a cuisine to eat tonight depends on what I ate yesterday but not on the weekday. They make use of sequential information. </a:t>
+            </a:r>
+          </a:p>
+          <a:p>
+            <a:r>
+              <a:rPr lang="en-IN" dirty="0"/>
+              <a:t>LSTM is a special kind of RNN which remembers information for long periods of time.</a:t>
+            </a:r>
           </a:p>
         </p:txBody>
       </p:sp>
@@ -1632,7 +1805,129 @@
           <a:p>
             <a:fld id="{AF533E96-F078-4B3D-A8F4-F1AF21EBC357}" type="slidenum">
               <a:rPr lang="en-US" smtClean="0"/>
-              <a:t>8</a:t>
+              <a:t>9</a:t>
+            </a:fld>
+            <a:endParaRPr lang="en-US"/>
+          </a:p>
+        </p:txBody>
+      </p:sp>
+    </p:spTree>
+    <p:extLst>
+      <p:ext uri="{BB962C8B-B14F-4D97-AF65-F5344CB8AC3E}">
+        <p14:creationId xmlns:p14="http://schemas.microsoft.com/office/powerpoint/2010/main" val="1151943070"/>
+      </p:ext>
+    </p:extLst>
+  </p:cSld>
+  <p:clrMapOvr>
+    <a:masterClrMapping/>
+  </p:clrMapOvr>
+</p:notes>
+</file>
+
+<file path=ppt/notesSlides/notesSlide9.xml><?xml version="1.0" encoding="utf-8"?>
+<p:notes xmlns:a="http://schemas.openxmlformats.org/drawingml/2006/main" xmlns:r="http://schemas.openxmlformats.org/officeDocument/2006/relationships" xmlns:p="http://schemas.openxmlformats.org/presentationml/2006/main">
+  <p:cSld>
+    <p:spTree>
+      <p:nvGrpSpPr>
+        <p:cNvPr id="1" name=""/>
+        <p:cNvGrpSpPr/>
+        <p:nvPr/>
+      </p:nvGrpSpPr>
+      <p:grpSpPr>
+        <a:xfrm>
+          <a:off x="0" y="0"/>
+          <a:ext cx="0" cy="0"/>
+          <a:chOff x="0" y="0"/>
+          <a:chExt cx="0" cy="0"/>
+        </a:xfrm>
+      </p:grpSpPr>
+      <p:sp>
+        <p:nvSpPr>
+          <p:cNvPr id="2" name="Slide Image Placeholder 1"/>
+          <p:cNvSpPr>
+            <a:spLocks noGrp="1" noRot="1" noChangeAspect="1"/>
+          </p:cNvSpPr>
+          <p:nvPr>
+            <p:ph type="sldImg"/>
+          </p:nvPr>
+        </p:nvSpPr>
+        <p:spPr/>
+      </p:sp>
+      <p:sp>
+        <p:nvSpPr>
+          <p:cNvPr id="3" name="Notes Placeholder 2"/>
+          <p:cNvSpPr>
+            <a:spLocks noGrp="1"/>
+          </p:cNvSpPr>
+          <p:nvPr>
+            <p:ph type="body" idx="1"/>
+          </p:nvPr>
+        </p:nvSpPr>
+        <p:spPr/>
+        <p:txBody>
+          <a:bodyPr/>
+          <a:lstStyle/>
+          <a:p>
+            <a:endParaRPr lang="en-IE"/>
+          </a:p>
+        </p:txBody>
+      </p:sp>
+      <p:sp>
+        <p:nvSpPr>
+          <p:cNvPr id="4" name="Header Placeholder 3"/>
+          <p:cNvSpPr>
+            <a:spLocks noGrp="1"/>
+          </p:cNvSpPr>
+          <p:nvPr>
+            <p:ph type="hdr" sz="quarter"/>
+          </p:nvPr>
+        </p:nvSpPr>
+        <p:spPr/>
+        <p:txBody>
+          <a:bodyPr/>
+          <a:lstStyle/>
+          <a:p>
+            <a:endParaRPr lang="en-US"/>
+          </a:p>
+        </p:txBody>
+      </p:sp>
+      <p:sp>
+        <p:nvSpPr>
+          <p:cNvPr id="5" name="Footer Placeholder 4"/>
+          <p:cNvSpPr>
+            <a:spLocks noGrp="1"/>
+          </p:cNvSpPr>
+          <p:nvPr>
+            <p:ph type="ftr" sz="quarter" idx="4"/>
+          </p:nvPr>
+        </p:nvSpPr>
+        <p:spPr/>
+        <p:txBody>
+          <a:bodyPr/>
+          <a:lstStyle/>
+          <a:p>
+            <a:endParaRPr lang="en-US"/>
+          </a:p>
+        </p:txBody>
+      </p:sp>
+      <p:sp>
+        <p:nvSpPr>
+          <p:cNvPr id="6" name="Slide Number Placeholder 5"/>
+          <p:cNvSpPr>
+            <a:spLocks noGrp="1"/>
+          </p:cNvSpPr>
+          <p:nvPr>
+            <p:ph type="sldNum" sz="quarter" idx="5"/>
+          </p:nvPr>
+        </p:nvSpPr>
+        <p:spPr/>
+        <p:txBody>
+          <a:bodyPr/>
+          <a:lstStyle/>
+          <a:p>
+            <a:fld id="{AF533E96-F078-4B3D-A8F4-F1AF21EBC357}" type="slidenum">
+              <a:rPr lang="en-US" smtClean="0"/>
+              <a:t>11</a:t>
             </a:fld>
             <a:endParaRPr lang="en-US"/>
           </a:p>
@@ -5217,6 +5512,249 @@
 </p:sld>
 </file>
 
+<file path=ppt/slides/slide10.xml><?xml version="1.0" encoding="utf-8"?>
+<p:sld xmlns:a="http://schemas.openxmlformats.org/drawingml/2006/main" xmlns:r="http://schemas.openxmlformats.org/officeDocument/2006/relationships" xmlns:p="http://schemas.openxmlformats.org/presentationml/2006/main">
+  <p:cSld>
+    <p:spTree>
+      <p:nvGrpSpPr>
+        <p:cNvPr id="1" name=""/>
+        <p:cNvGrpSpPr/>
+        <p:nvPr/>
+      </p:nvGrpSpPr>
+      <p:grpSpPr>
+        <a:xfrm>
+          <a:off x="0" y="0"/>
+          <a:ext cx="0" cy="0"/>
+          <a:chOff x="0" y="0"/>
+          <a:chExt cx="0" cy="0"/>
+        </a:xfrm>
+      </p:grpSpPr>
+      <p:sp>
+        <p:nvSpPr>
+          <p:cNvPr id="2" name="Title 1">
+            <a:extLst>
+              <a:ext uri="{FF2B5EF4-FFF2-40B4-BE49-F238E27FC236}">
+                <a16:creationId xmlns:a16="http://schemas.microsoft.com/office/drawing/2014/main" id="{1BE86FBD-3254-8DC2-C8FD-72822C6F7E05}"/>
+              </a:ext>
+            </a:extLst>
+          </p:cNvPr>
+          <p:cNvSpPr>
+            <a:spLocks noGrp="1"/>
+          </p:cNvSpPr>
+          <p:nvPr>
+            <p:ph type="title"/>
+          </p:nvPr>
+        </p:nvSpPr>
+        <p:spPr/>
+        <p:txBody>
+          <a:bodyPr/>
+          <a:lstStyle/>
+          <a:p>
+            <a:r>
+              <a:rPr lang="en-IN" dirty="0"/>
+              <a:t>Isolation Forest:</a:t>
+            </a:r>
+          </a:p>
+        </p:txBody>
+      </p:sp>
+      <p:pic>
+        <p:nvPicPr>
+          <p:cNvPr id="5" name="Content Placeholder 4">
+            <a:extLst>
+              <a:ext uri="{FF2B5EF4-FFF2-40B4-BE49-F238E27FC236}">
+                <a16:creationId xmlns:a16="http://schemas.microsoft.com/office/drawing/2014/main" id="{327B2ACA-2E3D-481D-0942-65E330AD6B72}"/>
+              </a:ext>
+            </a:extLst>
+          </p:cNvPr>
+          <p:cNvPicPr>
+            <a:picLocks noGrp="1" noChangeAspect="1"/>
+          </p:cNvPicPr>
+          <p:nvPr>
+            <p:ph idx="1"/>
+          </p:nvPr>
+        </p:nvPicPr>
+        <p:blipFill>
+          <a:blip r:embed="rId2"/>
+          <a:stretch>
+            <a:fillRect/>
+          </a:stretch>
+        </p:blipFill>
+        <p:spPr>
+          <a:xfrm>
+            <a:off x="2389188" y="1617348"/>
+            <a:ext cx="6305550" cy="2721605"/>
+          </a:xfrm>
+        </p:spPr>
+      </p:pic>
+    </p:spTree>
+    <p:extLst>
+      <p:ext uri="{BB962C8B-B14F-4D97-AF65-F5344CB8AC3E}">
+        <p14:creationId xmlns:p14="http://schemas.microsoft.com/office/powerpoint/2010/main" val="1759163705"/>
+      </p:ext>
+    </p:extLst>
+  </p:cSld>
+  <p:clrMapOvr>
+    <a:masterClrMapping/>
+  </p:clrMapOvr>
+</p:sld>
+</file>
+
+<file path=ppt/slides/slide11.xml><?xml version="1.0" encoding="utf-8"?>
+<p:sld xmlns:a="http://schemas.openxmlformats.org/drawingml/2006/main" xmlns:r="http://schemas.openxmlformats.org/officeDocument/2006/relationships" xmlns:p="http://schemas.openxmlformats.org/presentationml/2006/main">
+  <p:cSld>
+    <p:spTree>
+      <p:nvGrpSpPr>
+        <p:cNvPr id="1" name=""/>
+        <p:cNvGrpSpPr/>
+        <p:nvPr/>
+      </p:nvGrpSpPr>
+      <p:grpSpPr>
+        <a:xfrm>
+          <a:off x="0" y="0"/>
+          <a:ext cx="0" cy="0"/>
+          <a:chOff x="0" y="0"/>
+          <a:chExt cx="0" cy="0"/>
+        </a:xfrm>
+      </p:grpSpPr>
+      <p:sp>
+        <p:nvSpPr>
+          <p:cNvPr id="4" name="Title 3"/>
+          <p:cNvSpPr>
+            <a:spLocks noGrp="1"/>
+          </p:cNvSpPr>
+          <p:nvPr>
+            <p:ph type="title"/>
+          </p:nvPr>
+        </p:nvSpPr>
+        <p:spPr/>
+        <p:txBody>
+          <a:bodyPr>
+            <a:normAutofit/>
+          </a:bodyPr>
+          <a:lstStyle/>
+          <a:p>
+            <a:r>
+              <a:rPr lang="en-US" dirty="0"/>
+              <a:t>Thank You</a:t>
+            </a:r>
+          </a:p>
+        </p:txBody>
+      </p:sp>
+    </p:spTree>
+    <p:extLst>
+      <p:ext uri="{BB962C8B-B14F-4D97-AF65-F5344CB8AC3E}">
+        <p14:creationId xmlns:p14="http://schemas.microsoft.com/office/powerpoint/2010/main" val="4170783713"/>
+      </p:ext>
+    </p:extLst>
+  </p:cSld>
+  <p:clrMapOvr>
+    <a:masterClrMapping/>
+  </p:clrMapOvr>
+</p:sld>
+</file>
+
+<file path=ppt/slides/slide12.xml><?xml version="1.0" encoding="utf-8"?>
+<p:sld xmlns:a="http://schemas.openxmlformats.org/drawingml/2006/main" xmlns:r="http://schemas.openxmlformats.org/officeDocument/2006/relationships" xmlns:p="http://schemas.openxmlformats.org/presentationml/2006/main">
+  <p:cSld>
+    <p:spTree>
+      <p:nvGrpSpPr>
+        <p:cNvPr id="1" name=""/>
+        <p:cNvGrpSpPr/>
+        <p:nvPr/>
+      </p:nvGrpSpPr>
+      <p:grpSpPr>
+        <a:xfrm>
+          <a:off x="0" y="0"/>
+          <a:ext cx="0" cy="0"/>
+          <a:chOff x="0" y="0"/>
+          <a:chExt cx="0" cy="0"/>
+        </a:xfrm>
+      </p:grpSpPr>
+      <p:sp>
+        <p:nvSpPr>
+          <p:cNvPr id="2" name="Title 1">
+            <a:extLst>
+              <a:ext uri="{FF2B5EF4-FFF2-40B4-BE49-F238E27FC236}">
+                <a16:creationId xmlns:a16="http://schemas.microsoft.com/office/drawing/2014/main" id="{6FF229CF-8739-3A09-646B-71D5214CAF56}"/>
+              </a:ext>
+            </a:extLst>
+          </p:cNvPr>
+          <p:cNvSpPr>
+            <a:spLocks noGrp="1"/>
+          </p:cNvSpPr>
+          <p:nvPr>
+            <p:ph type="title"/>
+          </p:nvPr>
+        </p:nvSpPr>
+        <p:spPr/>
+        <p:txBody>
+          <a:bodyPr/>
+          <a:lstStyle/>
+          <a:p>
+            <a:r>
+              <a:rPr lang="en-IN" dirty="0"/>
+              <a:t>Notes:</a:t>
+            </a:r>
+          </a:p>
+        </p:txBody>
+      </p:sp>
+      <p:sp>
+        <p:nvSpPr>
+          <p:cNvPr id="6" name="Content Placeholder 5">
+            <a:extLst>
+              <a:ext uri="{FF2B5EF4-FFF2-40B4-BE49-F238E27FC236}">
+                <a16:creationId xmlns:a16="http://schemas.microsoft.com/office/drawing/2014/main" id="{9390A5E7-C634-132B-9969-926F13B7A7E1}"/>
+              </a:ext>
+            </a:extLst>
+          </p:cNvPr>
+          <p:cNvSpPr>
+            <a:spLocks noGrp="1"/>
+          </p:cNvSpPr>
+          <p:nvPr>
+            <p:ph sz="quarter" idx="4"/>
+          </p:nvPr>
+        </p:nvSpPr>
+        <p:spPr>
+          <a:xfrm>
+            <a:off x="96644" y="1325026"/>
+            <a:ext cx="8950712" cy="3982025"/>
+          </a:xfrm>
+        </p:spPr>
+        <p:txBody>
+          <a:bodyPr>
+            <a:normAutofit/>
+          </a:bodyPr>
+          <a:lstStyle/>
+          <a:p>
+            <a:pPr algn="l"/>
+            <a:r>
+              <a:rPr lang="en-US" sz="1200" dirty="0"/>
+              <a:t>The Sequential model is a linear stack of layers. You can create a Sequential model by passing a list of layer instances to the constructor</a:t>
+            </a:r>
+          </a:p>
+          <a:p>
+            <a:pPr algn="l"/>
+            <a:endParaRPr lang="en-US" sz="1200" dirty="0"/>
+          </a:p>
+          <a:p>
+            <a:pPr algn="l"/>
+            <a:endParaRPr lang="en-IN" sz="1200" dirty="0"/>
+          </a:p>
+        </p:txBody>
+      </p:sp>
+    </p:spTree>
+    <p:extLst>
+      <p:ext uri="{BB962C8B-B14F-4D97-AF65-F5344CB8AC3E}">
+        <p14:creationId xmlns:p14="http://schemas.microsoft.com/office/powerpoint/2010/main" val="1054277185"/>
+      </p:ext>
+    </p:extLst>
+  </p:cSld>
+  <p:clrMapOvr>
+    <a:masterClrMapping/>
+  </p:clrMapOvr>
+</p:sld>
+</file>
+
 <file path=ppt/slides/slide2.xml><?xml version="1.0" encoding="utf-8"?>
 <p:sld xmlns:a="http://schemas.openxmlformats.org/drawingml/2006/main" xmlns:r="http://schemas.openxmlformats.org/officeDocument/2006/relationships" xmlns:p="http://schemas.openxmlformats.org/presentationml/2006/main">
   <p:cSld>
@@ -6243,7 +6781,13 @@
       </p:grpSpPr>
       <p:sp>
         <p:nvSpPr>
-          <p:cNvPr id="4" name="Title 3"/>
+          <p:cNvPr id="2" name="Title 1">
+            <a:extLst>
+              <a:ext uri="{FF2B5EF4-FFF2-40B4-BE49-F238E27FC236}">
+                <a16:creationId xmlns:a16="http://schemas.microsoft.com/office/drawing/2014/main" id="{5E018A89-AA45-1C69-67D6-DB3EED15D68B}"/>
+              </a:ext>
+            </a:extLst>
+          </p:cNvPr>
           <p:cNvSpPr>
             <a:spLocks noGrp="1"/>
           </p:cNvSpPr>
@@ -6259,16 +6803,162 @@
           <a:lstStyle/>
           <a:p>
             <a:r>
-              <a:rPr lang="en-US" dirty="0"/>
-              <a:t>Thank You</a:t>
-            </a:r>
-          </a:p>
-        </p:txBody>
-      </p:sp>
+              <a:rPr lang="en-IE" sz="3600" b="1" dirty="0">
+                <a:effectLst/>
+                <a:latin typeface="Calibri" panose="020F0502020204030204" pitchFamily="34" charset="0"/>
+              </a:rPr>
+              <a:t>Vanilla Autoencoder:</a:t>
+            </a:r>
+            <a:endParaRPr lang="en-IN" dirty="0"/>
+          </a:p>
+        </p:txBody>
+      </p:sp>
+      <p:sp>
+        <p:nvSpPr>
+          <p:cNvPr id="7" name="Content Placeholder 6">
+            <a:extLst>
+              <a:ext uri="{FF2B5EF4-FFF2-40B4-BE49-F238E27FC236}">
+                <a16:creationId xmlns:a16="http://schemas.microsoft.com/office/drawing/2014/main" id="{09414016-C187-1234-93A2-EFBF4FB8AB8D}"/>
+              </a:ext>
+            </a:extLst>
+          </p:cNvPr>
+          <p:cNvSpPr>
+            <a:spLocks noGrp="1"/>
+          </p:cNvSpPr>
+          <p:nvPr>
+            <p:ph idx="1"/>
+          </p:nvPr>
+        </p:nvSpPr>
+        <p:spPr/>
+        <p:txBody>
+          <a:bodyPr/>
+          <a:lstStyle/>
+          <a:p>
+            <a:endParaRPr lang="en-IN"/>
+          </a:p>
+        </p:txBody>
+      </p:sp>
+      <p:pic>
+        <p:nvPicPr>
+          <p:cNvPr id="9" name="Picture 8">
+            <a:extLst>
+              <a:ext uri="{FF2B5EF4-FFF2-40B4-BE49-F238E27FC236}">
+                <a16:creationId xmlns:a16="http://schemas.microsoft.com/office/drawing/2014/main" id="{AD1E187F-3F16-20C3-FF6F-F32F75245182}"/>
+              </a:ext>
+            </a:extLst>
+          </p:cNvPr>
+          <p:cNvPicPr>
+            <a:picLocks noChangeAspect="1"/>
+          </p:cNvPicPr>
+          <p:nvPr/>
+        </p:nvPicPr>
+        <p:blipFill>
+          <a:blip r:embed="rId2"/>
+          <a:stretch>
+            <a:fillRect/>
+          </a:stretch>
+        </p:blipFill>
+        <p:spPr>
+          <a:xfrm>
+            <a:off x="1977482" y="1090643"/>
+            <a:ext cx="7166517" cy="3597853"/>
+          </a:xfrm>
+          <a:prstGeom prst="rect">
+            <a:avLst/>
+          </a:prstGeom>
+        </p:spPr>
+      </p:pic>
     </p:spTree>
     <p:extLst>
       <p:ext uri="{BB962C8B-B14F-4D97-AF65-F5344CB8AC3E}">
-        <p14:creationId xmlns:p14="http://schemas.microsoft.com/office/powerpoint/2010/main" val="4170783713"/>
+        <p14:creationId xmlns:p14="http://schemas.microsoft.com/office/powerpoint/2010/main" val="1448501744"/>
+      </p:ext>
+    </p:extLst>
+  </p:cSld>
+  <p:clrMapOvr>
+    <a:masterClrMapping/>
+  </p:clrMapOvr>
+</p:sld>
+</file>
+
+<file path=ppt/slides/slide9.xml><?xml version="1.0" encoding="utf-8"?>
+<p:sld xmlns:a="http://schemas.openxmlformats.org/drawingml/2006/main" xmlns:r="http://schemas.openxmlformats.org/officeDocument/2006/relationships" xmlns:p="http://schemas.openxmlformats.org/presentationml/2006/main">
+  <p:cSld>
+    <p:spTree>
+      <p:nvGrpSpPr>
+        <p:cNvPr id="1" name=""/>
+        <p:cNvGrpSpPr/>
+        <p:nvPr/>
+      </p:nvGrpSpPr>
+      <p:grpSpPr>
+        <a:xfrm>
+          <a:off x="0" y="0"/>
+          <a:ext cx="0" cy="0"/>
+          <a:chOff x="0" y="0"/>
+          <a:chExt cx="0" cy="0"/>
+        </a:xfrm>
+      </p:grpSpPr>
+      <p:sp>
+        <p:nvSpPr>
+          <p:cNvPr id="2" name="Title 1">
+            <a:extLst>
+              <a:ext uri="{FF2B5EF4-FFF2-40B4-BE49-F238E27FC236}">
+                <a16:creationId xmlns:a16="http://schemas.microsoft.com/office/drawing/2014/main" id="{18F20F0C-39C0-2EB5-461E-1BBD87E955B0}"/>
+              </a:ext>
+            </a:extLst>
+          </p:cNvPr>
+          <p:cNvSpPr>
+            <a:spLocks noGrp="1"/>
+          </p:cNvSpPr>
+          <p:nvPr>
+            <p:ph type="title"/>
+          </p:nvPr>
+        </p:nvSpPr>
+        <p:spPr/>
+        <p:txBody>
+          <a:bodyPr/>
+          <a:lstStyle/>
+          <a:p>
+            <a:r>
+              <a:rPr lang="en-IN" dirty="0"/>
+              <a:t>LSTM Autoencoder:</a:t>
+            </a:r>
+          </a:p>
+        </p:txBody>
+      </p:sp>
+      <p:pic>
+        <p:nvPicPr>
+          <p:cNvPr id="5" name="Content Placeholder 4">
+            <a:extLst>
+              <a:ext uri="{FF2B5EF4-FFF2-40B4-BE49-F238E27FC236}">
+                <a16:creationId xmlns:a16="http://schemas.microsoft.com/office/drawing/2014/main" id="{7B1FCF52-BF02-FF79-4C42-74FC27FCB9E0}"/>
+              </a:ext>
+            </a:extLst>
+          </p:cNvPr>
+          <p:cNvPicPr>
+            <a:picLocks noGrp="1" noChangeAspect="1"/>
+          </p:cNvPicPr>
+          <p:nvPr>
+            <p:ph idx="1"/>
+          </p:nvPr>
+        </p:nvPicPr>
+        <p:blipFill>
+          <a:blip r:embed="rId3"/>
+          <a:stretch>
+            <a:fillRect/>
+          </a:stretch>
+        </p:blipFill>
+        <p:spPr>
+          <a:xfrm>
+            <a:off x="2389188" y="1320680"/>
+            <a:ext cx="6305550" cy="3314941"/>
+          </a:xfrm>
+        </p:spPr>
+      </p:pic>
+    </p:spTree>
+    <p:extLst>
+      <p:ext uri="{BB962C8B-B14F-4D97-AF65-F5344CB8AC3E}">
+        <p14:creationId xmlns:p14="http://schemas.microsoft.com/office/powerpoint/2010/main" val="4084886686"/>
       </p:ext>
     </p:extLst>
   </p:cSld>
